--- a/docs/abbildungen/20150102_EG_Grundriss.pptx
+++ b/docs/abbildungen/20150102_EG_Grundriss.pptx
@@ -110,6 +110,22 @@
       </a:defRPr>
     </a:lvl9pPr>
   </p:defaultTextStyle>
+  <p:extLst>
+    <p:ext uri="{EFAFB233-063F-42B5-8137-9DF3F51BA10A}">
+      <p15:sldGuideLst xmlns:p15="http://schemas.microsoft.com/office/powerpoint/2012/main">
+        <p15:guide id="1" orient="horz" pos="2160">
+          <p15:clr>
+            <a:srgbClr val="A4A3A4"/>
+          </p15:clr>
+        </p15:guide>
+        <p15:guide id="2" pos="2880">
+          <p15:clr>
+            <a:srgbClr val="A4A3A4"/>
+          </p15:clr>
+        </p15:guide>
+      </p15:sldGuideLst>
+    </p:ext>
+  </p:extLst>
 </p:presentation>
 </file>
 
@@ -294,7 +310,7 @@
           <a:p>
             <a:fld id="{301C93C2-BBFC-F848-A287-894621FEA6A4}" type="datetimeFigureOut">
               <a:rPr lang="de-DE" smtClean="0"/>
-              <a:t>03.01.16</a:t>
+              <a:t>24.03.16</a:t>
             </a:fld>
             <a:endParaRPr lang="de-DE"/>
           </a:p>
@@ -464,7 +480,7 @@
           <a:p>
             <a:fld id="{301C93C2-BBFC-F848-A287-894621FEA6A4}" type="datetimeFigureOut">
               <a:rPr lang="de-DE" smtClean="0"/>
-              <a:t>03.01.16</a:t>
+              <a:t>24.03.16</a:t>
             </a:fld>
             <a:endParaRPr lang="de-DE"/>
           </a:p>
@@ -644,7 +660,7 @@
           <a:p>
             <a:fld id="{301C93C2-BBFC-F848-A287-894621FEA6A4}" type="datetimeFigureOut">
               <a:rPr lang="de-DE" smtClean="0"/>
-              <a:t>03.01.16</a:t>
+              <a:t>24.03.16</a:t>
             </a:fld>
             <a:endParaRPr lang="de-DE"/>
           </a:p>
@@ -814,7 +830,7 @@
           <a:p>
             <a:fld id="{301C93C2-BBFC-F848-A287-894621FEA6A4}" type="datetimeFigureOut">
               <a:rPr lang="de-DE" smtClean="0"/>
-              <a:t>03.01.16</a:t>
+              <a:t>24.03.16</a:t>
             </a:fld>
             <a:endParaRPr lang="de-DE"/>
           </a:p>
@@ -1060,7 +1076,7 @@
           <a:p>
             <a:fld id="{301C93C2-BBFC-F848-A287-894621FEA6A4}" type="datetimeFigureOut">
               <a:rPr lang="de-DE" smtClean="0"/>
-              <a:t>03.01.16</a:t>
+              <a:t>24.03.16</a:t>
             </a:fld>
             <a:endParaRPr lang="de-DE"/>
           </a:p>
@@ -1348,7 +1364,7 @@
           <a:p>
             <a:fld id="{301C93C2-BBFC-F848-A287-894621FEA6A4}" type="datetimeFigureOut">
               <a:rPr lang="de-DE" smtClean="0"/>
-              <a:t>03.01.16</a:t>
+              <a:t>24.03.16</a:t>
             </a:fld>
             <a:endParaRPr lang="de-DE"/>
           </a:p>
@@ -1770,7 +1786,7 @@
           <a:p>
             <a:fld id="{301C93C2-BBFC-F848-A287-894621FEA6A4}" type="datetimeFigureOut">
               <a:rPr lang="de-DE" smtClean="0"/>
-              <a:t>03.01.16</a:t>
+              <a:t>24.03.16</a:t>
             </a:fld>
             <a:endParaRPr lang="de-DE"/>
           </a:p>
@@ -1888,7 +1904,7 @@
           <a:p>
             <a:fld id="{301C93C2-BBFC-F848-A287-894621FEA6A4}" type="datetimeFigureOut">
               <a:rPr lang="de-DE" smtClean="0"/>
-              <a:t>03.01.16</a:t>
+              <a:t>24.03.16</a:t>
             </a:fld>
             <a:endParaRPr lang="de-DE"/>
           </a:p>
@@ -1983,7 +1999,7 @@
           <a:p>
             <a:fld id="{301C93C2-BBFC-F848-A287-894621FEA6A4}" type="datetimeFigureOut">
               <a:rPr lang="de-DE" smtClean="0"/>
-              <a:t>03.01.16</a:t>
+              <a:t>24.03.16</a:t>
             </a:fld>
             <a:endParaRPr lang="de-DE"/>
           </a:p>
@@ -2260,7 +2276,7 @@
           <a:p>
             <a:fld id="{301C93C2-BBFC-F848-A287-894621FEA6A4}" type="datetimeFigureOut">
               <a:rPr lang="de-DE" smtClean="0"/>
-              <a:t>03.01.16</a:t>
+              <a:t>24.03.16</a:t>
             </a:fld>
             <a:endParaRPr lang="de-DE"/>
           </a:p>
@@ -2513,7 +2529,7 @@
           <a:p>
             <a:fld id="{301C93C2-BBFC-F848-A287-894621FEA6A4}" type="datetimeFigureOut">
               <a:rPr lang="de-DE" smtClean="0"/>
-              <a:t>03.01.16</a:t>
+              <a:t>24.03.16</a:t>
             </a:fld>
             <a:endParaRPr lang="de-DE"/>
           </a:p>
@@ -2726,7 +2742,7 @@
           <a:p>
             <a:fld id="{301C93C2-BBFC-F848-A287-894621FEA6A4}" type="datetimeFigureOut">
               <a:rPr lang="de-DE" smtClean="0"/>
-              <a:t>03.01.16</a:t>
+              <a:t>24.03.16</a:t>
             </a:fld>
             <a:endParaRPr lang="de-DE"/>
           </a:p>
@@ -13533,9 +13549,9 @@
           <p:grpSpPr>
             <a:xfrm>
               <a:off x="3954499" y="6369754"/>
-              <a:ext cx="1182701" cy="276999"/>
+              <a:ext cx="1299808" cy="276999"/>
               <a:chOff x="4104779" y="6369754"/>
-              <a:chExt cx="1182701" cy="276999"/>
+              <a:chExt cx="1299808" cy="276999"/>
             </a:xfrm>
           </p:grpSpPr>
           <p:sp>
@@ -13547,7 +13563,7 @@
             <p:spPr>
               <a:xfrm>
                 <a:off x="4293503" y="6369754"/>
-                <a:ext cx="993977" cy="276999"/>
+                <a:ext cx="1111084" cy="276999"/>
               </a:xfrm>
               <a:prstGeom prst="rect">
                 <a:avLst/>
